--- a/빈틈봇App설계.pptx
+++ b/빈틈봇App설계.pptx
@@ -13,6 +13,8 @@
     <p:sldId id="262" r:id="rId7"/>
     <p:sldId id="261" r:id="rId8"/>
     <p:sldId id="263" r:id="rId9"/>
+    <p:sldId id="265" r:id="rId10"/>
+    <p:sldId id="266" r:id="rId11"/>
   </p:sldIdLst>
   <p:sldSz cx="12192000" cy="6858000"/>
   <p:notesSz cx="6858000" cy="9144000"/>
@@ -3473,7 +3475,7 @@
         </p:blipFill>
         <p:spPr>
           <a:xfrm>
-            <a:off x="6553200" y="986800"/>
+            <a:off x="6533029" y="973353"/>
             <a:ext cx="5443433" cy="5722830"/>
           </a:xfrm>
           <a:prstGeom prst="rect">
@@ -3520,6 +3522,159 @@
     <p:extLst>
       <p:ext uri="{BB962C8B-B14F-4D97-AF65-F5344CB8AC3E}">
         <p14:creationId xmlns:p14="http://schemas.microsoft.com/office/powerpoint/2010/main" val="2511034103"/>
+      </p:ext>
+    </p:extLst>
+  </p:cSld>
+  <p:clrMapOvr>
+    <a:masterClrMapping/>
+  </p:clrMapOvr>
+</p:sld>
+</file>
+
+<file path=ppt/slides/slide10.xml><?xml version="1.0" encoding="utf-8"?>
+<p:sld xmlns:a="http://schemas.openxmlformats.org/drawingml/2006/main" xmlns:r="http://schemas.openxmlformats.org/officeDocument/2006/relationships" xmlns:p="http://schemas.openxmlformats.org/presentationml/2006/main">
+  <p:cSld>
+    <p:spTree>
+      <p:nvGrpSpPr>
+        <p:cNvPr id="1" name="">
+          <a:extLst>
+            <a:ext uri="{FF2B5EF4-FFF2-40B4-BE49-F238E27FC236}">
+              <a16:creationId xmlns:a16="http://schemas.microsoft.com/office/drawing/2014/main" id="{B0913449-3D86-EB2E-CB0B-CCB5872347FF}"/>
+            </a:ext>
+          </a:extLst>
+        </p:cNvPr>
+        <p:cNvGrpSpPr/>
+        <p:nvPr/>
+      </p:nvGrpSpPr>
+      <p:grpSpPr>
+        <a:xfrm>
+          <a:off x="0" y="0"/>
+          <a:ext cx="0" cy="0"/>
+          <a:chOff x="0" y="0"/>
+          <a:chExt cx="0" cy="0"/>
+        </a:xfrm>
+      </p:grpSpPr>
+      <p:sp>
+        <p:nvSpPr>
+          <p:cNvPr id="4" name="TextBox 3">
+            <a:extLst>
+              <a:ext uri="{FF2B5EF4-FFF2-40B4-BE49-F238E27FC236}">
+                <a16:creationId xmlns:a16="http://schemas.microsoft.com/office/drawing/2014/main" id="{4BDD8D06-2031-45E3-E0C5-AC1822D78A1F}"/>
+              </a:ext>
+            </a:extLst>
+          </p:cNvPr>
+          <p:cNvSpPr txBox="1"/>
+          <p:nvPr/>
+        </p:nvSpPr>
+        <p:spPr>
+          <a:xfrm>
+            <a:off x="1077110" y="443752"/>
+            <a:ext cx="4026049" cy="369332"/>
+          </a:xfrm>
+          <a:prstGeom prst="rect">
+            <a:avLst/>
+          </a:prstGeom>
+          <a:noFill/>
+        </p:spPr>
+        <p:txBody>
+          <a:bodyPr wrap="square" rtlCol="0">
+            <a:spAutoFit/>
+          </a:bodyPr>
+          <a:lstStyle/>
+          <a:p>
+            <a:r>
+              <a:rPr lang="ko-KR" altLang="en-US" dirty="0"/>
+              <a:t>메인구조 </a:t>
+            </a:r>
+            <a:r>
+              <a:rPr lang="en-US" altLang="ko-KR" dirty="0"/>
+              <a:t>(</a:t>
+            </a:r>
+            <a:r>
+              <a:rPr lang="ko-KR" altLang="en-US" dirty="0"/>
+              <a:t>로그인 </a:t>
+            </a:r>
+            <a:r>
+              <a:rPr lang="ko-KR" altLang="en-US" dirty="0" err="1"/>
+              <a:t>완료시</a:t>
+            </a:r>
+            <a:r>
+              <a:rPr lang="en-US" altLang="ko-KR" dirty="0"/>
+              <a:t>)</a:t>
+            </a:r>
+            <a:endParaRPr lang="ko-KR" altLang="en-US" dirty="0"/>
+          </a:p>
+        </p:txBody>
+      </p:sp>
+      <p:sp>
+        <p:nvSpPr>
+          <p:cNvPr id="5" name="TextBox 4">
+            <a:extLst>
+              <a:ext uri="{FF2B5EF4-FFF2-40B4-BE49-F238E27FC236}">
+                <a16:creationId xmlns:a16="http://schemas.microsoft.com/office/drawing/2014/main" id="{BA5BAA46-02AA-F7B5-7EC6-56E5FBFF9810}"/>
+              </a:ext>
+            </a:extLst>
+          </p:cNvPr>
+          <p:cNvSpPr txBox="1"/>
+          <p:nvPr/>
+        </p:nvSpPr>
+        <p:spPr>
+          <a:xfrm>
+            <a:off x="1701053" y="127747"/>
+            <a:ext cx="1420582" cy="369332"/>
+          </a:xfrm>
+          <a:prstGeom prst="rect">
+            <a:avLst/>
+          </a:prstGeom>
+          <a:noFill/>
+        </p:spPr>
+        <p:txBody>
+          <a:bodyPr wrap="none" rtlCol="0">
+            <a:spAutoFit/>
+          </a:bodyPr>
+          <a:lstStyle/>
+          <a:p>
+            <a:r>
+              <a:rPr lang="ko-KR" altLang="en-US" dirty="0"/>
+              <a:t>개발 계획안</a:t>
+            </a:r>
+          </a:p>
+        </p:txBody>
+      </p:sp>
+      <p:pic>
+        <p:nvPicPr>
+          <p:cNvPr id="6" name="그림 5">
+            <a:extLst>
+              <a:ext uri="{FF2B5EF4-FFF2-40B4-BE49-F238E27FC236}">
+                <a16:creationId xmlns:a16="http://schemas.microsoft.com/office/drawing/2014/main" id="{D8CB7046-B528-0363-D75F-A92F442E5B61}"/>
+              </a:ext>
+            </a:extLst>
+          </p:cNvPr>
+          <p:cNvPicPr>
+            <a:picLocks noChangeAspect="1"/>
+          </p:cNvPicPr>
+          <p:nvPr/>
+        </p:nvPicPr>
+        <p:blipFill>
+          <a:blip r:embed="rId2"/>
+          <a:stretch>
+            <a:fillRect/>
+          </a:stretch>
+        </p:blipFill>
+        <p:spPr>
+          <a:xfrm>
+            <a:off x="0" y="813084"/>
+            <a:ext cx="12192000" cy="5829300"/>
+          </a:xfrm>
+          <a:prstGeom prst="rect">
+            <a:avLst/>
+          </a:prstGeom>
+        </p:spPr>
+      </p:pic>
+    </p:spTree>
+    <p:extLst>
+      <p:ext uri="{BB962C8B-B14F-4D97-AF65-F5344CB8AC3E}">
+        <p14:creationId xmlns:p14="http://schemas.microsoft.com/office/powerpoint/2010/main" val="3951765848"/>
       </p:ext>
     </p:extLst>
   </p:cSld>
@@ -5501,6 +5656,220 @@
     <p:extLst>
       <p:ext uri="{BB962C8B-B14F-4D97-AF65-F5344CB8AC3E}">
         <p14:creationId xmlns:p14="http://schemas.microsoft.com/office/powerpoint/2010/main" val="891715078"/>
+      </p:ext>
+    </p:extLst>
+  </p:cSld>
+  <p:clrMapOvr>
+    <a:masterClrMapping/>
+  </p:clrMapOvr>
+</p:sld>
+</file>
+
+<file path=ppt/slides/slide9.xml><?xml version="1.0" encoding="utf-8"?>
+<p:sld xmlns:a="http://schemas.openxmlformats.org/drawingml/2006/main" xmlns:r="http://schemas.openxmlformats.org/officeDocument/2006/relationships" xmlns:p="http://schemas.openxmlformats.org/presentationml/2006/main">
+  <p:cSld>
+    <p:spTree>
+      <p:nvGrpSpPr>
+        <p:cNvPr id="1" name="">
+          <a:extLst>
+            <a:ext uri="{FF2B5EF4-FFF2-40B4-BE49-F238E27FC236}">
+              <a16:creationId xmlns:a16="http://schemas.microsoft.com/office/drawing/2014/main" id="{0F4AFDA8-2A5A-313A-CDFB-4CFCC4A25A63}"/>
+            </a:ext>
+          </a:extLst>
+        </p:cNvPr>
+        <p:cNvGrpSpPr/>
+        <p:nvPr/>
+      </p:nvGrpSpPr>
+      <p:grpSpPr>
+        <a:xfrm>
+          <a:off x="0" y="0"/>
+          <a:ext cx="0" cy="0"/>
+          <a:chOff x="0" y="0"/>
+          <a:chExt cx="0" cy="0"/>
+        </a:xfrm>
+      </p:grpSpPr>
+      <p:sp>
+        <p:nvSpPr>
+          <p:cNvPr id="4" name="TextBox 3">
+            <a:extLst>
+              <a:ext uri="{FF2B5EF4-FFF2-40B4-BE49-F238E27FC236}">
+                <a16:creationId xmlns:a16="http://schemas.microsoft.com/office/drawing/2014/main" id="{0582CA29-16D5-37FE-74CD-1E246EB1C189}"/>
+              </a:ext>
+            </a:extLst>
+          </p:cNvPr>
+          <p:cNvSpPr txBox="1"/>
+          <p:nvPr/>
+        </p:nvSpPr>
+        <p:spPr>
+          <a:xfrm>
+            <a:off x="1077110" y="443752"/>
+            <a:ext cx="4026049" cy="369332"/>
+          </a:xfrm>
+          <a:prstGeom prst="rect">
+            <a:avLst/>
+          </a:prstGeom>
+          <a:noFill/>
+        </p:spPr>
+        <p:txBody>
+          <a:bodyPr wrap="square" rtlCol="0">
+            <a:spAutoFit/>
+          </a:bodyPr>
+          <a:lstStyle/>
+          <a:p>
+            <a:r>
+              <a:rPr lang="ko-KR" altLang="en-US" dirty="0"/>
+              <a:t>메인구조 </a:t>
+            </a:r>
+            <a:r>
+              <a:rPr lang="en-US" altLang="ko-KR" dirty="0"/>
+              <a:t>(</a:t>
+            </a:r>
+            <a:r>
+              <a:rPr lang="ko-KR" altLang="en-US" dirty="0"/>
+              <a:t>로그인 회원가입</a:t>
+            </a:r>
+            <a:r>
+              <a:rPr lang="en-US" altLang="ko-KR" dirty="0"/>
+              <a:t>)</a:t>
+            </a:r>
+            <a:endParaRPr lang="ko-KR" altLang="en-US" dirty="0"/>
+          </a:p>
+        </p:txBody>
+      </p:sp>
+      <p:sp>
+        <p:nvSpPr>
+          <p:cNvPr id="5" name="TextBox 4">
+            <a:extLst>
+              <a:ext uri="{FF2B5EF4-FFF2-40B4-BE49-F238E27FC236}">
+                <a16:creationId xmlns:a16="http://schemas.microsoft.com/office/drawing/2014/main" id="{DF882383-3D6F-BCD7-741B-F186D857298D}"/>
+              </a:ext>
+            </a:extLst>
+          </p:cNvPr>
+          <p:cNvSpPr txBox="1"/>
+          <p:nvPr/>
+        </p:nvSpPr>
+        <p:spPr>
+          <a:xfrm>
+            <a:off x="1701053" y="127747"/>
+            <a:ext cx="1420582" cy="369332"/>
+          </a:xfrm>
+          <a:prstGeom prst="rect">
+            <a:avLst/>
+          </a:prstGeom>
+          <a:noFill/>
+        </p:spPr>
+        <p:txBody>
+          <a:bodyPr wrap="none" rtlCol="0">
+            <a:spAutoFit/>
+          </a:bodyPr>
+          <a:lstStyle/>
+          <a:p>
+            <a:r>
+              <a:rPr lang="ko-KR" altLang="en-US" dirty="0"/>
+              <a:t>개발 계획안</a:t>
+            </a:r>
+          </a:p>
+        </p:txBody>
+      </p:sp>
+      <p:pic>
+        <p:nvPicPr>
+          <p:cNvPr id="2" name="그림 1">
+            <a:extLst>
+              <a:ext uri="{FF2B5EF4-FFF2-40B4-BE49-F238E27FC236}">
+                <a16:creationId xmlns:a16="http://schemas.microsoft.com/office/drawing/2014/main" id="{6D8788D0-E9B5-B4F3-35EF-DAC3E33C40EC}"/>
+              </a:ext>
+            </a:extLst>
+          </p:cNvPr>
+          <p:cNvPicPr>
+            <a:picLocks noChangeAspect="1"/>
+          </p:cNvPicPr>
+          <p:nvPr/>
+        </p:nvPicPr>
+        <p:blipFill>
+          <a:blip r:embed="rId2"/>
+          <a:stretch>
+            <a:fillRect/>
+          </a:stretch>
+        </p:blipFill>
+        <p:spPr>
+          <a:xfrm>
+            <a:off x="783536" y="1653988"/>
+            <a:ext cx="4389179" cy="2496999"/>
+          </a:xfrm>
+          <a:prstGeom prst="rect">
+            <a:avLst/>
+          </a:prstGeom>
+        </p:spPr>
+      </p:pic>
+      <p:pic>
+        <p:nvPicPr>
+          <p:cNvPr id="7" name="그림 6">
+            <a:extLst>
+              <a:ext uri="{FF2B5EF4-FFF2-40B4-BE49-F238E27FC236}">
+                <a16:creationId xmlns:a16="http://schemas.microsoft.com/office/drawing/2014/main" id="{A03C2791-CEFE-30A2-5BAC-1CD2D9905E2E}"/>
+              </a:ext>
+            </a:extLst>
+          </p:cNvPr>
+          <p:cNvPicPr>
+            <a:picLocks noChangeAspect="1"/>
+          </p:cNvPicPr>
+          <p:nvPr/>
+        </p:nvPicPr>
+        <p:blipFill>
+          <a:blip r:embed="rId3"/>
+          <a:stretch>
+            <a:fillRect/>
+          </a:stretch>
+        </p:blipFill>
+        <p:spPr>
+          <a:xfrm>
+            <a:off x="6035488" y="497079"/>
+            <a:ext cx="5443433" cy="5722830"/>
+          </a:xfrm>
+          <a:prstGeom prst="rect">
+            <a:avLst/>
+          </a:prstGeom>
+        </p:spPr>
+      </p:pic>
+      <p:sp>
+        <p:nvSpPr>
+          <p:cNvPr id="8" name="TextBox 7">
+            <a:extLst>
+              <a:ext uri="{FF2B5EF4-FFF2-40B4-BE49-F238E27FC236}">
+                <a16:creationId xmlns:a16="http://schemas.microsoft.com/office/drawing/2014/main" id="{D08BAE19-F8F0-C2F1-392A-FE39E50D6457}"/>
+              </a:ext>
+            </a:extLst>
+          </p:cNvPr>
+          <p:cNvSpPr txBox="1"/>
+          <p:nvPr/>
+        </p:nvSpPr>
+        <p:spPr>
+          <a:xfrm>
+            <a:off x="8720918" y="658581"/>
+            <a:ext cx="1107996" cy="369332"/>
+          </a:xfrm>
+          <a:prstGeom prst="rect">
+            <a:avLst/>
+          </a:prstGeom>
+          <a:noFill/>
+        </p:spPr>
+        <p:txBody>
+          <a:bodyPr wrap="none" rtlCol="0">
+            <a:spAutoFit/>
+          </a:bodyPr>
+          <a:lstStyle/>
+          <a:p>
+            <a:r>
+              <a:rPr lang="ko-KR" altLang="en-US" dirty="0"/>
+              <a:t>회원가입</a:t>
+            </a:r>
+          </a:p>
+        </p:txBody>
+      </p:sp>
+    </p:spTree>
+    <p:extLst>
+      <p:ext uri="{BB962C8B-B14F-4D97-AF65-F5344CB8AC3E}">
+        <p14:creationId xmlns:p14="http://schemas.microsoft.com/office/powerpoint/2010/main" val="1866791517"/>
       </p:ext>
     </p:extLst>
   </p:cSld>
